--- a/04_presentaciones/01_InfPreliminar_ModeloNegocio.pptx
+++ b/04_presentaciones/01_InfPreliminar_ModeloNegocio.pptx
@@ -4157,44 +4157,7 @@
                 <a:latin typeface="Lucida Sans Unicode" pitchFamily="34" charset="0"/>
                 <a:cs typeface="Lucida Sans Unicode" pitchFamily="34" charset="0"/>
               </a:rPr>
-              <a:t> </a:t>
-            </a:r>
-            <a:r>
-              <a:rPr lang="en-US" sz="3600" b="1" dirty="0" smtClean="0">
-                <a:ln w="31550" cmpd="sng">
-                  <a:gradFill>
-                    <a:gsLst>
-                      <a:gs pos="25000">
-                        <a:schemeClr val="accent1">
-                          <a:shade val="25000"/>
-                          <a:satMod val="190000"/>
-                        </a:schemeClr>
-                      </a:gs>
-                      <a:gs pos="80000">
-                        <a:schemeClr val="accent1">
-                          <a:tint val="75000"/>
-                          <a:satMod val="190000"/>
-                        </a:schemeClr>
-                      </a:gs>
-                    </a:gsLst>
-                    <a:lin ang="5400000"/>
-                  </a:gradFill>
-                  <a:prstDash val="solid"/>
-                </a:ln>
-                <a:solidFill>
-                  <a:srgbClr val="FFFFFF"/>
-                </a:solidFill>
-                <a:effectLst>
-                  <a:outerShdw blurRad="41275" dist="12700" dir="12000000" algn="tl" rotWithShape="0">
-                    <a:srgbClr val="000000">
-                      <a:alpha val="40000"/>
-                    </a:srgbClr>
-                  </a:outerShdw>
-                </a:effectLst>
-                <a:latin typeface="Lucida Sans Unicode" pitchFamily="34" charset="0"/>
-                <a:cs typeface="Lucida Sans Unicode" pitchFamily="34" charset="0"/>
-              </a:rPr>
-              <a:t>en </a:t>
+              <a:t> en </a:t>
             </a:r>
             <a:r>
               <a:rPr lang="en-US" sz="3600" b="1" dirty="0" err="1" smtClean="0">
@@ -4469,7 +4432,6 @@
               <a:rPr lang="en-US" dirty="0" smtClean="0"/>
               <a:t> </a:t>
             </a:r>
-            <a:endParaRPr lang="en-US" dirty="0" smtClean="0"/>
           </a:p>
           <a:p>
             <a:endParaRPr lang="en-US" dirty="0" smtClean="0"/>
@@ -4778,11 +4740,7 @@
             </a:pPr>
             <a:r>
               <a:rPr lang="en-US" dirty="0" smtClean="0"/>
-              <a:t> </a:t>
-            </a:r>
-            <a:r>
-              <a:rPr lang="en-US" dirty="0" smtClean="0"/>
-              <a:t>	</a:t>
+              <a:t> 	</a:t>
             </a:r>
             <a:r>
               <a:rPr lang="en-US" b="1" u="sng" dirty="0" err="1" smtClean="0"/>
@@ -5616,11 +5574,7 @@
             </a:r>
             <a:r>
               <a:rPr lang="es-AR" dirty="0" smtClean="0"/>
-              <a:t> de materias primas, así como también el almacenamiento de las </a:t>
-            </a:r>
-            <a:r>
-              <a:rPr lang="es-AR" dirty="0" smtClean="0"/>
-              <a:t>piezas destinadas a </a:t>
+              <a:t> de materias primas, así como también el almacenamiento de las piezas destinadas a </a:t>
             </a:r>
             <a:r>
               <a:rPr lang="es-AR" b="1" dirty="0" err="1" smtClean="0">
@@ -5979,11 +5933,7 @@
             </a:pPr>
             <a:r>
               <a:rPr lang="en-US" dirty="0" smtClean="0"/>
-              <a:t> </a:t>
-            </a:r>
-            <a:r>
-              <a:rPr lang="en-US" dirty="0" smtClean="0"/>
-              <a:t>	</a:t>
+              <a:t> 	</a:t>
             </a:r>
             <a:r>
               <a:rPr lang="en-US" b="1" u="sng" dirty="0" err="1" smtClean="0"/>
@@ -6758,7 +6708,6 @@
               <a:rPr lang="es-AR" dirty="0" smtClean="0"/>
               <a:t> del personal.</a:t>
             </a:r>
-            <a:endParaRPr lang="es-AR" dirty="0" smtClean="0"/>
           </a:p>
           <a:p>
             <a:endParaRPr lang="en-US" dirty="0" smtClean="0"/>
@@ -7219,7 +7168,6 @@
               <a:rPr lang="es-AR" dirty="0" smtClean="0"/>
               <a:t> de la misma, llevando la contabilidad financiera y encargándose  de emitir la información correspondiente.</a:t>
             </a:r>
-            <a:endParaRPr lang="es-AR" dirty="0" smtClean="0"/>
           </a:p>
           <a:p>
             <a:endParaRPr lang="en-US" dirty="0" smtClean="0"/>
@@ -11451,11 +11399,7 @@
             </a:r>
             <a:r>
               <a:rPr lang="en-US" dirty="0" smtClean="0"/>
-              <a:t> </a:t>
-            </a:r>
-            <a:r>
-              <a:rPr lang="en-US" dirty="0" smtClean="0"/>
-              <a:t>de la </a:t>
+              <a:t> de la </a:t>
             </a:r>
             <a:r>
               <a:rPr lang="en-US" dirty="0" err="1" smtClean="0"/>
@@ -11484,7 +11428,6 @@
               <a:rPr lang="en-US" dirty="0" smtClean="0"/>
               <a:t>.</a:t>
             </a:r>
-            <a:endParaRPr lang="en-US" dirty="0" smtClean="0"/>
           </a:p>
           <a:p>
             <a:pPr lvl="1"/>
@@ -11542,7 +11485,6 @@
               <a:rPr lang="en-US" dirty="0" smtClean="0"/>
               <a:t>.</a:t>
             </a:r>
-            <a:endParaRPr lang="en-US" dirty="0" smtClean="0"/>
           </a:p>
           <a:p>
             <a:pPr lvl="1"/>
@@ -11554,7 +11496,6 @@
               <a:rPr lang="en-US" dirty="0" smtClean="0"/>
               <a:t>.</a:t>
             </a:r>
-            <a:endParaRPr lang="en-US" dirty="0" smtClean="0"/>
           </a:p>
           <a:p>
             <a:pPr lvl="1"/>
@@ -11585,7 +11526,6 @@
               <a:rPr lang="en-US" dirty="0" smtClean="0"/>
               <a:t>.</a:t>
             </a:r>
-            <a:endParaRPr lang="en-US" dirty="0" smtClean="0"/>
           </a:p>
           <a:p>
             <a:pPr lvl="1"/>
@@ -12757,7 +12697,7 @@
         </p:nvSpPr>
         <p:spPr>
           <a:xfrm>
-            <a:off x="428596" y="0"/>
+            <a:off x="428596" y="1000108"/>
             <a:ext cx="8229600" cy="642942"/>
           </a:xfrm>
         </p:spPr>
@@ -12768,20 +12708,16 @@
           <a:lstStyle/>
           <a:p>
             <a:r>
+              <a:rPr lang="en-US" dirty="0" smtClean="0"/>
+              <a:t>CU </a:t>
+            </a:r>
+            <a:r>
               <a:rPr lang="en-US" dirty="0" err="1" smtClean="0"/>
-              <a:t>Diagrama</a:t>
+              <a:t>Principales</a:t>
             </a:r>
             <a:r>
               <a:rPr lang="en-US" dirty="0" smtClean="0"/>
-              <a:t> </a:t>
-            </a:r>
-            <a:r>
-              <a:rPr lang="en-US" dirty="0" err="1" smtClean="0"/>
-              <a:t>Clases</a:t>
-            </a:r>
-            <a:r>
-              <a:rPr lang="en-US" dirty="0" smtClean="0"/>
-              <a:t> </a:t>
+              <a:t> del </a:t>
             </a:r>
             <a:r>
               <a:rPr lang="en-US" dirty="0" err="1" smtClean="0"/>
@@ -12793,13 +12729,9 @@
       </p:sp>
       <p:pic>
         <p:nvPicPr>
-          <p:cNvPr id="1026" name="Picture 2"/>
-          <p:cNvPicPr>
-            <a:picLocks noGrp="1" noChangeAspect="1" noChangeArrowheads="1"/>
-          </p:cNvPicPr>
-          <p:nvPr>
-            <p:ph idx="1"/>
-          </p:nvPr>
+          <p:cNvPr id="21" name="20 Imagen"/>
+          <p:cNvPicPr/>
+          <p:nvPr/>
         </p:nvPicPr>
         <p:blipFill>
           <a:blip r:embed="rId2" cstate="print"/>
@@ -12810,8 +12742,8 @@
         </p:blipFill>
         <p:spPr bwMode="auto">
           <a:xfrm>
-            <a:off x="-428660" y="214290"/>
-            <a:ext cx="10016919" cy="7000924"/>
+            <a:off x="-285784" y="1785926"/>
+            <a:ext cx="9429784" cy="5072074"/>
           </a:xfrm>
           <a:prstGeom prst="rect">
             <a:avLst/>
@@ -12823,774 +12755,8 @@
             <a:headEnd/>
             <a:tailEnd/>
           </a:ln>
-          <a:effectLst/>
         </p:spPr>
       </p:pic>
-      <p:sp>
-        <p:nvSpPr>
-          <p:cNvPr id="5" name="4 Elipse"/>
-          <p:cNvSpPr/>
-          <p:nvPr/>
-        </p:nvSpPr>
-        <p:spPr>
-          <a:xfrm>
-            <a:off x="5429256" y="4929198"/>
-            <a:ext cx="500066" cy="214314"/>
-          </a:xfrm>
-          <a:prstGeom prst="ellipse">
-            <a:avLst/>
-          </a:prstGeom>
-          <a:solidFill>
-            <a:schemeClr val="accent1">
-              <a:alpha val="0"/>
-            </a:schemeClr>
-          </a:solidFill>
-        </p:spPr>
-        <p:style>
-          <a:lnRef idx="2">
-            <a:schemeClr val="accent1">
-              <a:shade val="50000"/>
-            </a:schemeClr>
-          </a:lnRef>
-          <a:fillRef idx="1">
-            <a:schemeClr val="accent1"/>
-          </a:fillRef>
-          <a:effectRef idx="0">
-            <a:schemeClr val="accent1"/>
-          </a:effectRef>
-          <a:fontRef idx="minor">
-            <a:schemeClr val="lt1"/>
-          </a:fontRef>
-        </p:style>
-        <p:txBody>
-          <a:bodyPr rtlCol="0" anchor="ctr"/>
-          <a:lstStyle/>
-          <a:p>
-            <a:pPr algn="ctr"/>
-            <a:endParaRPr lang="es-AR" dirty="0">
-              <a:solidFill>
-                <a:schemeClr val="accent1">
-                  <a:lumMod val="75000"/>
-                </a:schemeClr>
-              </a:solidFill>
-            </a:endParaRPr>
-          </a:p>
-        </p:txBody>
-      </p:sp>
-      <p:sp>
-        <p:nvSpPr>
-          <p:cNvPr id="6" name="5 Elipse"/>
-          <p:cNvSpPr/>
-          <p:nvPr/>
-        </p:nvSpPr>
-        <p:spPr>
-          <a:xfrm>
-            <a:off x="7858148" y="5500702"/>
-            <a:ext cx="642942" cy="285752"/>
-          </a:xfrm>
-          <a:prstGeom prst="ellipse">
-            <a:avLst/>
-          </a:prstGeom>
-          <a:solidFill>
-            <a:schemeClr val="accent1">
-              <a:alpha val="0"/>
-            </a:schemeClr>
-          </a:solidFill>
-        </p:spPr>
-        <p:style>
-          <a:lnRef idx="2">
-            <a:schemeClr val="accent1">
-              <a:shade val="50000"/>
-            </a:schemeClr>
-          </a:lnRef>
-          <a:fillRef idx="1">
-            <a:schemeClr val="accent1"/>
-          </a:fillRef>
-          <a:effectRef idx="0">
-            <a:schemeClr val="accent1"/>
-          </a:effectRef>
-          <a:fontRef idx="minor">
-            <a:schemeClr val="lt1"/>
-          </a:fontRef>
-        </p:style>
-        <p:txBody>
-          <a:bodyPr rtlCol="0" anchor="ctr"/>
-          <a:lstStyle/>
-          <a:p>
-            <a:pPr algn="ctr"/>
-            <a:endParaRPr lang="es-AR" dirty="0">
-              <a:solidFill>
-                <a:schemeClr val="accent1">
-                  <a:lumMod val="75000"/>
-                </a:schemeClr>
-              </a:solidFill>
-            </a:endParaRPr>
-          </a:p>
-        </p:txBody>
-      </p:sp>
-      <p:sp>
-        <p:nvSpPr>
-          <p:cNvPr id="7" name="6 Elipse"/>
-          <p:cNvSpPr/>
-          <p:nvPr/>
-        </p:nvSpPr>
-        <p:spPr>
-          <a:xfrm>
-            <a:off x="3929058" y="5929330"/>
-            <a:ext cx="642942" cy="285752"/>
-          </a:xfrm>
-          <a:prstGeom prst="ellipse">
-            <a:avLst/>
-          </a:prstGeom>
-          <a:solidFill>
-            <a:schemeClr val="accent1">
-              <a:alpha val="0"/>
-            </a:schemeClr>
-          </a:solidFill>
-        </p:spPr>
-        <p:style>
-          <a:lnRef idx="2">
-            <a:schemeClr val="accent1">
-              <a:shade val="50000"/>
-            </a:schemeClr>
-          </a:lnRef>
-          <a:fillRef idx="1">
-            <a:schemeClr val="accent1"/>
-          </a:fillRef>
-          <a:effectRef idx="0">
-            <a:schemeClr val="accent1"/>
-          </a:effectRef>
-          <a:fontRef idx="minor">
-            <a:schemeClr val="lt1"/>
-          </a:fontRef>
-        </p:style>
-        <p:txBody>
-          <a:bodyPr rtlCol="0" anchor="ctr"/>
-          <a:lstStyle/>
-          <a:p>
-            <a:pPr algn="ctr"/>
-            <a:endParaRPr lang="es-AR" dirty="0">
-              <a:solidFill>
-                <a:schemeClr val="accent1">
-                  <a:lumMod val="75000"/>
-                </a:schemeClr>
-              </a:solidFill>
-            </a:endParaRPr>
-          </a:p>
-        </p:txBody>
-      </p:sp>
-      <p:sp>
-        <p:nvSpPr>
-          <p:cNvPr id="8" name="7 Elipse"/>
-          <p:cNvSpPr/>
-          <p:nvPr/>
-        </p:nvSpPr>
-        <p:spPr>
-          <a:xfrm>
-            <a:off x="3786182" y="1643050"/>
-            <a:ext cx="500066" cy="214314"/>
-          </a:xfrm>
-          <a:prstGeom prst="ellipse">
-            <a:avLst/>
-          </a:prstGeom>
-          <a:solidFill>
-            <a:schemeClr val="accent1">
-              <a:alpha val="0"/>
-            </a:schemeClr>
-          </a:solidFill>
-        </p:spPr>
-        <p:style>
-          <a:lnRef idx="2">
-            <a:schemeClr val="accent1">
-              <a:shade val="50000"/>
-            </a:schemeClr>
-          </a:lnRef>
-          <a:fillRef idx="1">
-            <a:schemeClr val="accent1"/>
-          </a:fillRef>
-          <a:effectRef idx="0">
-            <a:schemeClr val="accent1"/>
-          </a:effectRef>
-          <a:fontRef idx="minor">
-            <a:schemeClr val="lt1"/>
-          </a:fontRef>
-        </p:style>
-        <p:txBody>
-          <a:bodyPr rtlCol="0" anchor="ctr"/>
-          <a:lstStyle/>
-          <a:p>
-            <a:pPr algn="ctr"/>
-            <a:endParaRPr lang="es-AR" dirty="0">
-              <a:solidFill>
-                <a:schemeClr val="accent1">
-                  <a:lumMod val="75000"/>
-                </a:schemeClr>
-              </a:solidFill>
-            </a:endParaRPr>
-          </a:p>
-        </p:txBody>
-      </p:sp>
-      <p:sp>
-        <p:nvSpPr>
-          <p:cNvPr id="9" name="8 Elipse"/>
-          <p:cNvSpPr/>
-          <p:nvPr/>
-        </p:nvSpPr>
-        <p:spPr>
-          <a:xfrm>
-            <a:off x="857224" y="571480"/>
-            <a:ext cx="500066" cy="214314"/>
-          </a:xfrm>
-          <a:prstGeom prst="ellipse">
-            <a:avLst/>
-          </a:prstGeom>
-          <a:solidFill>
-            <a:schemeClr val="accent1">
-              <a:alpha val="0"/>
-            </a:schemeClr>
-          </a:solidFill>
-        </p:spPr>
-        <p:style>
-          <a:lnRef idx="2">
-            <a:schemeClr val="accent1">
-              <a:shade val="50000"/>
-            </a:schemeClr>
-          </a:lnRef>
-          <a:fillRef idx="1">
-            <a:schemeClr val="accent1"/>
-          </a:fillRef>
-          <a:effectRef idx="0">
-            <a:schemeClr val="accent1"/>
-          </a:effectRef>
-          <a:fontRef idx="minor">
-            <a:schemeClr val="lt1"/>
-          </a:fontRef>
-        </p:style>
-        <p:txBody>
-          <a:bodyPr rtlCol="0" anchor="ctr"/>
-          <a:lstStyle/>
-          <a:p>
-            <a:pPr algn="ctr"/>
-            <a:endParaRPr lang="es-AR" dirty="0">
-              <a:solidFill>
-                <a:schemeClr val="accent1">
-                  <a:lumMod val="75000"/>
-                </a:schemeClr>
-              </a:solidFill>
-            </a:endParaRPr>
-          </a:p>
-        </p:txBody>
-      </p:sp>
-      <p:sp>
-        <p:nvSpPr>
-          <p:cNvPr id="10" name="9 Elipse"/>
-          <p:cNvSpPr/>
-          <p:nvPr/>
-        </p:nvSpPr>
-        <p:spPr>
-          <a:xfrm>
-            <a:off x="857224" y="2071678"/>
-            <a:ext cx="928694" cy="214314"/>
-          </a:xfrm>
-          <a:prstGeom prst="ellipse">
-            <a:avLst/>
-          </a:prstGeom>
-          <a:solidFill>
-            <a:schemeClr val="accent1">
-              <a:alpha val="0"/>
-            </a:schemeClr>
-          </a:solidFill>
-        </p:spPr>
-        <p:style>
-          <a:lnRef idx="2">
-            <a:schemeClr val="accent1">
-              <a:shade val="50000"/>
-            </a:schemeClr>
-          </a:lnRef>
-          <a:fillRef idx="1">
-            <a:schemeClr val="accent1"/>
-          </a:fillRef>
-          <a:effectRef idx="0">
-            <a:schemeClr val="accent1"/>
-          </a:effectRef>
-          <a:fontRef idx="minor">
-            <a:schemeClr val="lt1"/>
-          </a:fontRef>
-        </p:style>
-        <p:txBody>
-          <a:bodyPr rtlCol="0" anchor="ctr"/>
-          <a:lstStyle/>
-          <a:p>
-            <a:pPr algn="ctr"/>
-            <a:endParaRPr lang="es-AR" dirty="0">
-              <a:solidFill>
-                <a:schemeClr val="accent1">
-                  <a:lumMod val="75000"/>
-                </a:schemeClr>
-              </a:solidFill>
-            </a:endParaRPr>
-          </a:p>
-        </p:txBody>
-      </p:sp>
-      <p:sp>
-        <p:nvSpPr>
-          <p:cNvPr id="11" name="10 Elipse"/>
-          <p:cNvSpPr/>
-          <p:nvPr/>
-        </p:nvSpPr>
-        <p:spPr>
-          <a:xfrm>
-            <a:off x="2357422" y="2571744"/>
-            <a:ext cx="500066" cy="214314"/>
-          </a:xfrm>
-          <a:prstGeom prst="ellipse">
-            <a:avLst/>
-          </a:prstGeom>
-          <a:solidFill>
-            <a:schemeClr val="accent1">
-              <a:alpha val="0"/>
-            </a:schemeClr>
-          </a:solidFill>
-        </p:spPr>
-        <p:style>
-          <a:lnRef idx="2">
-            <a:schemeClr val="accent1">
-              <a:shade val="50000"/>
-            </a:schemeClr>
-          </a:lnRef>
-          <a:fillRef idx="1">
-            <a:schemeClr val="accent1"/>
-          </a:fillRef>
-          <a:effectRef idx="0">
-            <a:schemeClr val="accent1"/>
-          </a:effectRef>
-          <a:fontRef idx="minor">
-            <a:schemeClr val="lt1"/>
-          </a:fontRef>
-        </p:style>
-        <p:txBody>
-          <a:bodyPr rtlCol="0" anchor="ctr"/>
-          <a:lstStyle/>
-          <a:p>
-            <a:pPr algn="ctr"/>
-            <a:endParaRPr lang="es-AR" dirty="0">
-              <a:solidFill>
-                <a:schemeClr val="accent1">
-                  <a:lumMod val="75000"/>
-                </a:schemeClr>
-              </a:solidFill>
-            </a:endParaRPr>
-          </a:p>
-        </p:txBody>
-      </p:sp>
-      <p:sp>
-        <p:nvSpPr>
-          <p:cNvPr id="12" name="11 Elipse"/>
-          <p:cNvSpPr/>
-          <p:nvPr/>
-        </p:nvSpPr>
-        <p:spPr>
-          <a:xfrm>
-            <a:off x="0" y="5214950"/>
-            <a:ext cx="1142976" cy="285752"/>
-          </a:xfrm>
-          <a:prstGeom prst="ellipse">
-            <a:avLst/>
-          </a:prstGeom>
-          <a:solidFill>
-            <a:schemeClr val="accent1">
-              <a:alpha val="0"/>
-            </a:schemeClr>
-          </a:solidFill>
-        </p:spPr>
-        <p:style>
-          <a:lnRef idx="2">
-            <a:schemeClr val="accent1">
-              <a:shade val="50000"/>
-            </a:schemeClr>
-          </a:lnRef>
-          <a:fillRef idx="1">
-            <a:schemeClr val="accent1"/>
-          </a:fillRef>
-          <a:effectRef idx="0">
-            <a:schemeClr val="accent1"/>
-          </a:effectRef>
-          <a:fontRef idx="minor">
-            <a:schemeClr val="lt1"/>
-          </a:fontRef>
-        </p:style>
-        <p:txBody>
-          <a:bodyPr rtlCol="0" anchor="ctr"/>
-          <a:lstStyle/>
-          <a:p>
-            <a:pPr algn="ctr"/>
-            <a:endParaRPr lang="es-AR" dirty="0">
-              <a:solidFill>
-                <a:schemeClr val="accent1">
-                  <a:lumMod val="75000"/>
-                </a:schemeClr>
-              </a:solidFill>
-            </a:endParaRPr>
-          </a:p>
-        </p:txBody>
-      </p:sp>
-      <p:sp>
-        <p:nvSpPr>
-          <p:cNvPr id="13" name="12 Elipse"/>
-          <p:cNvSpPr/>
-          <p:nvPr/>
-        </p:nvSpPr>
-        <p:spPr>
-          <a:xfrm>
-            <a:off x="6572264" y="4071942"/>
-            <a:ext cx="500066" cy="214314"/>
-          </a:xfrm>
-          <a:prstGeom prst="ellipse">
-            <a:avLst/>
-          </a:prstGeom>
-          <a:solidFill>
-            <a:schemeClr val="accent1">
-              <a:alpha val="0"/>
-            </a:schemeClr>
-          </a:solidFill>
-        </p:spPr>
-        <p:style>
-          <a:lnRef idx="2">
-            <a:schemeClr val="accent1">
-              <a:shade val="50000"/>
-            </a:schemeClr>
-          </a:lnRef>
-          <a:fillRef idx="1">
-            <a:schemeClr val="accent1"/>
-          </a:fillRef>
-          <a:effectRef idx="0">
-            <a:schemeClr val="accent1"/>
-          </a:effectRef>
-          <a:fontRef idx="minor">
-            <a:schemeClr val="lt1"/>
-          </a:fontRef>
-        </p:style>
-        <p:txBody>
-          <a:bodyPr rtlCol="0" anchor="ctr"/>
-          <a:lstStyle/>
-          <a:p>
-            <a:pPr algn="ctr"/>
-            <a:endParaRPr lang="es-AR" dirty="0">
-              <a:solidFill>
-                <a:schemeClr val="accent1">
-                  <a:lumMod val="75000"/>
-                </a:schemeClr>
-              </a:solidFill>
-            </a:endParaRPr>
-          </a:p>
-        </p:txBody>
-      </p:sp>
-      <p:sp>
-        <p:nvSpPr>
-          <p:cNvPr id="14" name="13 Elipse"/>
-          <p:cNvSpPr/>
-          <p:nvPr/>
-        </p:nvSpPr>
-        <p:spPr>
-          <a:xfrm>
-            <a:off x="6286512" y="1785926"/>
-            <a:ext cx="500066" cy="214314"/>
-          </a:xfrm>
-          <a:prstGeom prst="ellipse">
-            <a:avLst/>
-          </a:prstGeom>
-          <a:solidFill>
-            <a:schemeClr val="accent1">
-              <a:alpha val="0"/>
-            </a:schemeClr>
-          </a:solidFill>
-        </p:spPr>
-        <p:style>
-          <a:lnRef idx="2">
-            <a:schemeClr val="accent1">
-              <a:shade val="50000"/>
-            </a:schemeClr>
-          </a:lnRef>
-          <a:fillRef idx="1">
-            <a:schemeClr val="accent1"/>
-          </a:fillRef>
-          <a:effectRef idx="0">
-            <a:schemeClr val="accent1"/>
-          </a:effectRef>
-          <a:fontRef idx="minor">
-            <a:schemeClr val="lt1"/>
-          </a:fontRef>
-        </p:style>
-        <p:txBody>
-          <a:bodyPr rtlCol="0" anchor="ctr"/>
-          <a:lstStyle/>
-          <a:p>
-            <a:pPr algn="ctr"/>
-            <a:endParaRPr lang="es-AR" dirty="0">
-              <a:solidFill>
-                <a:schemeClr val="accent1">
-                  <a:lumMod val="75000"/>
-                </a:schemeClr>
-              </a:solidFill>
-            </a:endParaRPr>
-          </a:p>
-        </p:txBody>
-      </p:sp>
-      <p:sp>
-        <p:nvSpPr>
-          <p:cNvPr id="15" name="14 Elipse"/>
-          <p:cNvSpPr/>
-          <p:nvPr/>
-        </p:nvSpPr>
-        <p:spPr>
-          <a:xfrm>
-            <a:off x="7215206" y="1428736"/>
-            <a:ext cx="571504" cy="285752"/>
-          </a:xfrm>
-          <a:prstGeom prst="ellipse">
-            <a:avLst/>
-          </a:prstGeom>
-          <a:solidFill>
-            <a:schemeClr val="accent1">
-              <a:alpha val="0"/>
-            </a:schemeClr>
-          </a:solidFill>
-        </p:spPr>
-        <p:style>
-          <a:lnRef idx="2">
-            <a:schemeClr val="accent1">
-              <a:shade val="50000"/>
-            </a:schemeClr>
-          </a:lnRef>
-          <a:fillRef idx="1">
-            <a:schemeClr val="accent1"/>
-          </a:fillRef>
-          <a:effectRef idx="0">
-            <a:schemeClr val="accent1"/>
-          </a:effectRef>
-          <a:fontRef idx="minor">
-            <a:schemeClr val="lt1"/>
-          </a:fontRef>
-        </p:style>
-        <p:txBody>
-          <a:bodyPr rtlCol="0" anchor="ctr"/>
-          <a:lstStyle/>
-          <a:p>
-            <a:pPr algn="ctr"/>
-            <a:endParaRPr lang="es-AR" dirty="0">
-              <a:solidFill>
-                <a:schemeClr val="accent1">
-                  <a:lumMod val="75000"/>
-                </a:schemeClr>
-              </a:solidFill>
-            </a:endParaRPr>
-          </a:p>
-        </p:txBody>
-      </p:sp>
-      <p:sp>
-        <p:nvSpPr>
-          <p:cNvPr id="16" name="15 Elipse"/>
-          <p:cNvSpPr/>
-          <p:nvPr/>
-        </p:nvSpPr>
-        <p:spPr>
-          <a:xfrm>
-            <a:off x="8072462" y="2571744"/>
-            <a:ext cx="928694" cy="285752"/>
-          </a:xfrm>
-          <a:prstGeom prst="ellipse">
-            <a:avLst/>
-          </a:prstGeom>
-          <a:solidFill>
-            <a:schemeClr val="accent1">
-              <a:alpha val="0"/>
-            </a:schemeClr>
-          </a:solidFill>
-        </p:spPr>
-        <p:style>
-          <a:lnRef idx="2">
-            <a:schemeClr val="accent1">
-              <a:shade val="50000"/>
-            </a:schemeClr>
-          </a:lnRef>
-          <a:fillRef idx="1">
-            <a:schemeClr val="accent1"/>
-          </a:fillRef>
-          <a:effectRef idx="0">
-            <a:schemeClr val="accent1"/>
-          </a:effectRef>
-          <a:fontRef idx="minor">
-            <a:schemeClr val="lt1"/>
-          </a:fontRef>
-        </p:style>
-        <p:txBody>
-          <a:bodyPr rtlCol="0" anchor="ctr"/>
-          <a:lstStyle/>
-          <a:p>
-            <a:pPr algn="ctr"/>
-            <a:endParaRPr lang="es-AR" dirty="0">
-              <a:solidFill>
-                <a:schemeClr val="accent1">
-                  <a:lumMod val="75000"/>
-                </a:schemeClr>
-              </a:solidFill>
-            </a:endParaRPr>
-          </a:p>
-        </p:txBody>
-      </p:sp>
-      <p:sp>
-        <p:nvSpPr>
-          <p:cNvPr id="17" name="16 Elipse"/>
-          <p:cNvSpPr/>
-          <p:nvPr/>
-        </p:nvSpPr>
-        <p:spPr>
-          <a:xfrm>
-            <a:off x="4071934" y="642918"/>
-            <a:ext cx="785818" cy="214314"/>
-          </a:xfrm>
-          <a:prstGeom prst="ellipse">
-            <a:avLst/>
-          </a:prstGeom>
-          <a:solidFill>
-            <a:schemeClr val="accent1">
-              <a:alpha val="0"/>
-            </a:schemeClr>
-          </a:solidFill>
-        </p:spPr>
-        <p:style>
-          <a:lnRef idx="2">
-            <a:schemeClr val="accent1">
-              <a:shade val="50000"/>
-            </a:schemeClr>
-          </a:lnRef>
-          <a:fillRef idx="1">
-            <a:schemeClr val="accent1"/>
-          </a:fillRef>
-          <a:effectRef idx="0">
-            <a:schemeClr val="accent1"/>
-          </a:effectRef>
-          <a:fontRef idx="minor">
-            <a:schemeClr val="lt1"/>
-          </a:fontRef>
-        </p:style>
-        <p:txBody>
-          <a:bodyPr rtlCol="0" anchor="ctr"/>
-          <a:lstStyle/>
-          <a:p>
-            <a:pPr algn="ctr"/>
-            <a:endParaRPr lang="es-AR" dirty="0">
-              <a:solidFill>
-                <a:schemeClr val="accent1">
-                  <a:lumMod val="75000"/>
-                </a:schemeClr>
-              </a:solidFill>
-            </a:endParaRPr>
-          </a:p>
-        </p:txBody>
-      </p:sp>
-      <p:sp>
-        <p:nvSpPr>
-          <p:cNvPr id="18" name="17 Elipse"/>
-          <p:cNvSpPr/>
-          <p:nvPr/>
-        </p:nvSpPr>
-        <p:spPr>
-          <a:xfrm>
-            <a:off x="3071802" y="571480"/>
-            <a:ext cx="500066" cy="214314"/>
-          </a:xfrm>
-          <a:prstGeom prst="ellipse">
-            <a:avLst/>
-          </a:prstGeom>
-          <a:solidFill>
-            <a:schemeClr val="accent1">
-              <a:alpha val="0"/>
-            </a:schemeClr>
-          </a:solidFill>
-        </p:spPr>
-        <p:style>
-          <a:lnRef idx="2">
-            <a:schemeClr val="accent1">
-              <a:shade val="50000"/>
-            </a:schemeClr>
-          </a:lnRef>
-          <a:fillRef idx="1">
-            <a:schemeClr val="accent1"/>
-          </a:fillRef>
-          <a:effectRef idx="0">
-            <a:schemeClr val="accent1"/>
-          </a:effectRef>
-          <a:fontRef idx="minor">
-            <a:schemeClr val="lt1"/>
-          </a:fontRef>
-        </p:style>
-        <p:txBody>
-          <a:bodyPr rtlCol="0" anchor="ctr"/>
-          <a:lstStyle/>
-          <a:p>
-            <a:pPr algn="ctr"/>
-            <a:endParaRPr lang="es-AR" dirty="0">
-              <a:solidFill>
-                <a:schemeClr val="accent1">
-                  <a:lumMod val="75000"/>
-                </a:schemeClr>
-              </a:solidFill>
-            </a:endParaRPr>
-          </a:p>
-        </p:txBody>
-      </p:sp>
-      <p:sp>
-        <p:nvSpPr>
-          <p:cNvPr id="19" name="18 Elipse"/>
-          <p:cNvSpPr/>
-          <p:nvPr/>
-        </p:nvSpPr>
-        <p:spPr>
-          <a:xfrm>
-            <a:off x="5786446" y="500042"/>
-            <a:ext cx="642942" cy="285752"/>
-          </a:xfrm>
-          <a:prstGeom prst="ellipse">
-            <a:avLst/>
-          </a:prstGeom>
-          <a:solidFill>
-            <a:schemeClr val="accent1">
-              <a:alpha val="0"/>
-            </a:schemeClr>
-          </a:solidFill>
-        </p:spPr>
-        <p:style>
-          <a:lnRef idx="2">
-            <a:schemeClr val="accent1">
-              <a:shade val="50000"/>
-            </a:schemeClr>
-          </a:lnRef>
-          <a:fillRef idx="1">
-            <a:schemeClr val="accent1"/>
-          </a:fillRef>
-          <a:effectRef idx="0">
-            <a:schemeClr val="accent1"/>
-          </a:effectRef>
-          <a:fontRef idx="minor">
-            <a:schemeClr val="lt1"/>
-          </a:fontRef>
-        </p:style>
-        <p:txBody>
-          <a:bodyPr rtlCol="0" anchor="ctr"/>
-          <a:lstStyle/>
-          <a:p>
-            <a:pPr algn="ctr"/>
-            <a:endParaRPr lang="es-AR" dirty="0">
-              <a:solidFill>
-                <a:schemeClr val="accent1">
-                  <a:lumMod val="75000"/>
-                </a:schemeClr>
-              </a:solidFill>
-            </a:endParaRPr>
-          </a:p>
-        </p:txBody>
-      </p:sp>
     </p:spTree>
   </p:cSld>
   <p:clrMapOvr>
@@ -13843,11 +13009,7 @@
             </a:r>
             <a:r>
               <a:rPr lang="en-US" dirty="0" err="1" smtClean="0"/>
-              <a:t>Organizaci</a:t>
-            </a:r>
-            <a:r>
-              <a:rPr lang="en-US" dirty="0" err="1" smtClean="0"/>
-              <a:t>ón</a:t>
+              <a:t>Organización</a:t>
             </a:r>
             <a:endParaRPr lang="es-AR" dirty="0"/>
           </a:p>
@@ -14051,11 +13213,7 @@
             </a:r>
             <a:r>
               <a:rPr lang="es-AR" b="1" dirty="0" smtClean="0"/>
-              <a:t>todo tipo de </a:t>
-            </a:r>
-            <a:r>
-              <a:rPr lang="es-AR" b="1" dirty="0" smtClean="0"/>
-              <a:t>piezas </a:t>
+              <a:t>todo tipo de piezas </a:t>
             </a:r>
             <a:r>
               <a:rPr lang="es-AR" b="1" cap="all" dirty="0" smtClean="0">
@@ -14118,13 +13276,8 @@
             </a:r>
             <a:r>
               <a:rPr lang="es-AR" b="1" dirty="0" smtClean="0"/>
-              <a:t>para abastecer a los mercados agroindustriales, automotriz y vial fundamentalmente</a:t>
-            </a:r>
-            <a:r>
-              <a:rPr lang="es-AR" b="1" dirty="0" smtClean="0"/>
-              <a:t>.</a:t>
-            </a:r>
-            <a:endParaRPr lang="es-AR" b="1" dirty="0" smtClean="0"/>
+              <a:t>para abastecer a los mercados agroindustriales, automotriz y vial fundamentalmente.</a:t>
+            </a:r>
           </a:p>
         </p:txBody>
       </p:sp>
@@ -14462,44 +13615,7 @@
                   </a:innerShdw>
                 </a:effectLst>
               </a:rPr>
-              <a:t>Planificar</a:t>
-            </a:r>
-            <a:r>
-              <a:rPr lang="es-AR" b="1" dirty="0" smtClean="0">
-                <a:ln w="1905"/>
-                <a:gradFill>
-                  <a:gsLst>
-                    <a:gs pos="0">
-                      <a:schemeClr val="accent6">
-                        <a:shade val="20000"/>
-                        <a:satMod val="200000"/>
-                      </a:schemeClr>
-                    </a:gs>
-                    <a:gs pos="78000">
-                      <a:schemeClr val="accent6">
-                        <a:tint val="90000"/>
-                        <a:shade val="89000"/>
-                        <a:satMod val="220000"/>
-                      </a:schemeClr>
-                    </a:gs>
-                    <a:gs pos="100000">
-                      <a:schemeClr val="accent6">
-                        <a:tint val="12000"/>
-                        <a:satMod val="255000"/>
-                      </a:schemeClr>
-                    </a:gs>
-                  </a:gsLst>
-                  <a:lin ang="5400000"/>
-                </a:gradFill>
-                <a:effectLst>
-                  <a:innerShdw blurRad="69850" dist="43180" dir="5400000">
-                    <a:srgbClr val="000000">
-                      <a:alpha val="65000"/>
-                    </a:srgbClr>
-                  </a:innerShdw>
-                </a:effectLst>
-              </a:rPr>
-              <a:t> </a:t>
+              <a:t>Planificar </a:t>
             </a:r>
             <a:r>
               <a:rPr lang="es-AR" dirty="0" smtClean="0"/>
@@ -15125,11 +14241,7 @@
             </a:r>
             <a:r>
               <a:rPr lang="es-AR" dirty="0" smtClean="0"/>
-              <a:t> de la organización (materiales, humanos y financieros), para </a:t>
-            </a:r>
-            <a:r>
-              <a:rPr lang="es-AR" dirty="0" smtClean="0"/>
-              <a:t>alcanzar</a:t>
+              <a:t> de la organización (materiales, humanos y financieros), para alcanzar</a:t>
             </a:r>
             <a:r>
               <a:rPr lang="es-AR" b="1" dirty="0" smtClean="0">
@@ -15211,15 +14323,7 @@
             </a:r>
             <a:r>
               <a:rPr lang="es-AR" dirty="0" smtClean="0"/>
-              <a:t> por la </a:t>
-            </a:r>
-            <a:r>
-              <a:rPr lang="es-AR" dirty="0" smtClean="0"/>
-              <a:t>empresa</a:t>
-            </a:r>
-            <a:r>
-              <a:rPr lang="es-AR" dirty="0" smtClean="0"/>
-              <a:t> respetando la </a:t>
+              <a:t> por la empresa respetando la </a:t>
             </a:r>
             <a:r>
               <a:rPr lang="es-AR" b="1" dirty="0" smtClean="0">
@@ -15467,11 +14571,7 @@
             </a:r>
             <a:r>
               <a:rPr lang="es-AR" dirty="0" smtClean="0"/>
-              <a:t>: La </a:t>
-            </a:r>
-            <a:r>
-              <a:rPr lang="es-AR" dirty="0" smtClean="0"/>
-              <a:t>función de esta área es realizar las tareas concernientes a la </a:t>
+              <a:t>: La función de esta área es realizar las tareas concernientes a la </a:t>
             </a:r>
             <a:r>
               <a:rPr lang="es-AR" b="1" dirty="0" smtClean="0">
